--- a/prezentacja_dyplomowa/prezentacja_dyplomowa.pptx
+++ b/prezentacja_dyplomowa/prezentacja_dyplomowa.pptx
@@ -5,20 +5,22 @@
     <p:sldMasterId id="2147483649" r:id="rId1"/>
   </p:sldMasterIdLst>
   <p:notesMasterIdLst>
-    <p:notesMasterId r:id="rId10"/>
+    <p:notesMasterId r:id="rId12"/>
   </p:notesMasterIdLst>
   <p:handoutMasterIdLst>
-    <p:handoutMasterId r:id="rId11"/>
+    <p:handoutMasterId r:id="rId13"/>
   </p:handoutMasterIdLst>
   <p:sldIdLst>
     <p:sldId id="256" r:id="rId2"/>
-    <p:sldId id="257" r:id="rId3"/>
-    <p:sldId id="258" r:id="rId4"/>
-    <p:sldId id="259" r:id="rId5"/>
-    <p:sldId id="264" r:id="rId6"/>
-    <p:sldId id="265" r:id="rId7"/>
-    <p:sldId id="260" r:id="rId8"/>
-    <p:sldId id="261" r:id="rId9"/>
+    <p:sldId id="266" r:id="rId3"/>
+    <p:sldId id="257" r:id="rId4"/>
+    <p:sldId id="258" r:id="rId5"/>
+    <p:sldId id="259" r:id="rId6"/>
+    <p:sldId id="264" r:id="rId7"/>
+    <p:sldId id="265" r:id="rId8"/>
+    <p:sldId id="260" r:id="rId9"/>
+    <p:sldId id="261" r:id="rId10"/>
+    <p:sldId id="267" r:id="rId11"/>
   </p:sldIdLst>
   <p:sldSz cx="9144000" cy="6858000" type="screen4x3"/>
   <p:notesSz cx="6797675" cy="9926638"/>
@@ -7742,6 +7744,144 @@
 </p:sld>
 </file>
 
+<file path=ppt/slides/slide10.xml><?xml version="1.0" encoding="utf-8"?>
+<p:sld xmlns:a="http://schemas.openxmlformats.org/drawingml/2006/main" xmlns:r="http://schemas.openxmlformats.org/officeDocument/2006/relationships" xmlns:p="http://schemas.openxmlformats.org/presentationml/2006/main">
+  <p:cSld>
+    <p:spTree>
+      <p:nvGrpSpPr>
+        <p:cNvPr id="1" name=""/>
+        <p:cNvGrpSpPr/>
+        <p:nvPr/>
+      </p:nvGrpSpPr>
+      <p:grpSpPr>
+        <a:xfrm>
+          <a:off x="0" y="0"/>
+          <a:ext cx="0" cy="0"/>
+          <a:chOff x="0" y="0"/>
+          <a:chExt cx="0" cy="0"/>
+        </a:xfrm>
+      </p:grpSpPr>
+      <p:sp>
+        <p:nvSpPr>
+          <p:cNvPr id="2" name="Content Placeholder 1">
+            <a:extLst>
+              <a:ext uri="{FF2B5EF4-FFF2-40B4-BE49-F238E27FC236}">
+                <a16:creationId xmlns:a16="http://schemas.microsoft.com/office/drawing/2014/main" id="{B0E8F41F-98AA-4D62-87CB-DA2E003EF624}"/>
+              </a:ext>
+            </a:extLst>
+          </p:cNvPr>
+          <p:cNvSpPr>
+            <a:spLocks noGrp="1"/>
+          </p:cNvSpPr>
+          <p:nvPr>
+            <p:ph sz="half" idx="1"/>
+          </p:nvPr>
+        </p:nvSpPr>
+        <p:spPr/>
+        <p:txBody>
+          <a:bodyPr/>
+          <a:lstStyle/>
+          <a:p>
+            <a:r>
+              <a:rPr lang="pl-PL" sz="3600" dirty="0"/>
+              <a:t>Opublikowany artykuł: „Koncepcja, projekt i wstępna implementacja </a:t>
+            </a:r>
+            <a:r>
+              <a:rPr lang="pl-PL" sz="3600" dirty="0" err="1"/>
+              <a:t>otwartoźródłowej</a:t>
+            </a:r>
+            <a:r>
+              <a:rPr lang="pl-PL" sz="3600" dirty="0"/>
+              <a:t> platformy do automatycznej detekcji, wstępnej klasyfikacji i badań zdarzeń </a:t>
+            </a:r>
+            <a:r>
+              <a:rPr lang="pl-PL" sz="3600"/>
+              <a:t>akustycznych.” </a:t>
+            </a:r>
+            <a:r>
+              <a:rPr lang="pl-PL" sz="3600" dirty="0"/>
+              <a:t>Opublikowany w ramach konferencji Eureka</a:t>
+            </a:r>
+          </a:p>
+          <a:p>
+            <a:r>
+              <a:rPr lang="pl-PL" sz="3600" dirty="0"/>
+              <a:t>Dalszy rozwój</a:t>
+            </a:r>
+            <a:endParaRPr lang="en-US" sz="3600" dirty="0"/>
+          </a:p>
+        </p:txBody>
+      </p:sp>
+      <p:sp>
+        <p:nvSpPr>
+          <p:cNvPr id="3" name="Text Placeholder 2">
+            <a:extLst>
+              <a:ext uri="{FF2B5EF4-FFF2-40B4-BE49-F238E27FC236}">
+                <a16:creationId xmlns:a16="http://schemas.microsoft.com/office/drawing/2014/main" id="{6DA60E81-401B-45FF-9403-AAA19A79CE0B}"/>
+              </a:ext>
+            </a:extLst>
+          </p:cNvPr>
+          <p:cNvSpPr>
+            <a:spLocks noGrp="1"/>
+          </p:cNvSpPr>
+          <p:nvPr>
+            <p:ph type="body" idx="10"/>
+          </p:nvPr>
+        </p:nvSpPr>
+        <p:spPr/>
+        <p:txBody>
+          <a:bodyPr/>
+          <a:lstStyle/>
+          <a:p>
+            <a:endParaRPr lang="en-US"/>
+          </a:p>
+        </p:txBody>
+      </p:sp>
+      <p:sp>
+        <p:nvSpPr>
+          <p:cNvPr id="4" name="Text Placeholder 3">
+            <a:extLst>
+              <a:ext uri="{FF2B5EF4-FFF2-40B4-BE49-F238E27FC236}">
+                <a16:creationId xmlns:a16="http://schemas.microsoft.com/office/drawing/2014/main" id="{4155A6C3-BACB-425F-9105-2A9DF1B3D004}"/>
+              </a:ext>
+            </a:extLst>
+          </p:cNvPr>
+          <p:cNvSpPr>
+            <a:spLocks noGrp="1"/>
+          </p:cNvSpPr>
+          <p:nvPr>
+            <p:ph type="body" idx="11"/>
+          </p:nvPr>
+        </p:nvSpPr>
+        <p:spPr/>
+        <p:txBody>
+          <a:bodyPr/>
+          <a:lstStyle/>
+          <a:p>
+            <a:r>
+              <a:rPr lang="pl-PL" dirty="0"/>
+              <a:t>Podsumowanie</a:t>
+            </a:r>
+            <a:endParaRPr lang="en-US" dirty="0"/>
+          </a:p>
+        </p:txBody>
+      </p:sp>
+    </p:spTree>
+    <p:extLst>
+      <p:ext uri="{BB962C8B-B14F-4D97-AF65-F5344CB8AC3E}">
+        <p14:creationId xmlns:p14="http://schemas.microsoft.com/office/powerpoint/2010/main" val="2248108116"/>
+      </p:ext>
+    </p:extLst>
+  </p:cSld>
+  <p:clrMapOvr>
+    <a:masterClrMapping/>
+  </p:clrMapOvr>
+  <p:transition>
+    <p:randomBar/>
+  </p:transition>
+</p:sld>
+</file>
+
 <file path=ppt/slides/slide2.xml><?xml version="1.0" encoding="utf-8"?>
 <p:sld xmlns:a="http://schemas.openxmlformats.org/drawingml/2006/main" xmlns:r="http://schemas.openxmlformats.org/officeDocument/2006/relationships" xmlns:p="http://schemas.openxmlformats.org/presentationml/2006/main">
   <p:cSld>
@@ -7759,47 +7899,83 @@
           <a:chExt cx="0" cy="0"/>
         </a:xfrm>
       </p:grpSpPr>
-      <p:pic>
-        <p:nvPicPr>
-          <p:cNvPr id="6" name="Content Placeholder 5">
+      <p:sp>
+        <p:nvSpPr>
+          <p:cNvPr id="5" name="Content Placeholder 4">
             <a:extLst>
               <a:ext uri="{FF2B5EF4-FFF2-40B4-BE49-F238E27FC236}">
-                <a16:creationId xmlns:a16="http://schemas.microsoft.com/office/drawing/2014/main" id="{02C8F4F4-AE98-4BA0-AA39-112FF8E997D1}"/>
+                <a16:creationId xmlns:a16="http://schemas.microsoft.com/office/drawing/2014/main" id="{E8C4981B-7CEE-4B1E-90F1-D8A12E82CBA0}"/>
               </a:ext>
             </a:extLst>
           </p:cNvPr>
-          <p:cNvPicPr>
-            <a:picLocks noGrp="1" noChangeAspect="1"/>
-          </p:cNvPicPr>
+          <p:cNvSpPr>
+            <a:spLocks noGrp="1"/>
+          </p:cNvSpPr>
           <p:nvPr>
             <p:ph sz="half" idx="1"/>
           </p:nvPr>
-        </p:nvPicPr>
-        <p:blipFill>
-          <a:blip r:embed="rId2">
-            <a:extLst>
-              <a:ext uri="{28A0092B-C50C-407E-A947-70E740481C1C}">
-                <a14:useLocalDpi xmlns:a14="http://schemas.microsoft.com/office/drawing/2010/main" val="0"/>
-              </a:ext>
-            </a:extLst>
-          </a:blip>
-          <a:stretch>
-            <a:fillRect/>
-          </a:stretch>
-        </p:blipFill>
-        <p:spPr>
-          <a:xfrm>
-            <a:off x="116681" y="2057400"/>
-            <a:ext cx="8910638" cy="2008544"/>
-          </a:xfrm>
-        </p:spPr>
-      </p:pic>
+        </p:nvSpPr>
+        <p:spPr/>
+        <p:txBody>
+          <a:bodyPr/>
+          <a:lstStyle/>
+          <a:p>
+            <a:r>
+              <a:rPr lang="en-US" sz="4400" dirty="0" err="1"/>
+              <a:t>Przedmiot</a:t>
+            </a:r>
+            <a:r>
+              <a:rPr lang="en-US" sz="4400" dirty="0"/>
+              <a:t> </a:t>
+            </a:r>
+            <a:r>
+              <a:rPr lang="en-US" sz="4400" dirty="0" err="1"/>
+              <a:t>pracy</a:t>
+            </a:r>
+            <a:r>
+              <a:rPr lang="en-US" sz="4400" dirty="0"/>
+              <a:t> </a:t>
+            </a:r>
+            <a:r>
+              <a:rPr lang="en-US" sz="4400" dirty="0" err="1"/>
+              <a:t>i</a:t>
+            </a:r>
+            <a:r>
+              <a:rPr lang="en-US" sz="4400" dirty="0"/>
+              <a:t> </a:t>
+            </a:r>
+            <a:r>
+              <a:rPr lang="en-US" sz="4400" dirty="0" err="1"/>
+              <a:t>motywacja</a:t>
+            </a:r>
+            <a:endParaRPr lang="pl-PL" sz="4400" dirty="0"/>
+          </a:p>
+          <a:p>
+            <a:r>
+              <a:rPr lang="pl-PL" sz="4400" dirty="0"/>
+              <a:t>Uproszczony algorytm działania aplikacji</a:t>
+            </a:r>
+          </a:p>
+          <a:p>
+            <a:r>
+              <a:rPr lang="pl-PL" sz="4400" dirty="0"/>
+              <a:t>Testy</a:t>
+            </a:r>
+          </a:p>
+          <a:p>
+            <a:r>
+              <a:rPr lang="pl-PL" sz="4400" dirty="0"/>
+              <a:t>Rezultat pracy i jej zalety</a:t>
+            </a:r>
+          </a:p>
+        </p:txBody>
+      </p:sp>
       <p:sp>
         <p:nvSpPr>
-          <p:cNvPr id="3" name="Text Placeholder 2">
+          <p:cNvPr id="6" name="Text Placeholder 5">
             <a:extLst>
               <a:ext uri="{FF2B5EF4-FFF2-40B4-BE49-F238E27FC236}">
-                <a16:creationId xmlns:a16="http://schemas.microsoft.com/office/drawing/2014/main" id="{20698C27-1303-44EF-96B0-98F0C441B732}"/>
+                <a16:creationId xmlns:a16="http://schemas.microsoft.com/office/drawing/2014/main" id="{3846EF22-88E9-4663-B7B6-842F8479AFDB}"/>
               </a:ext>
             </a:extLst>
           </p:cNvPr>
@@ -7815,20 +7991,16 @@
           <a:bodyPr/>
           <a:lstStyle/>
           <a:p>
-            <a:r>
-              <a:rPr lang="pl-PL" dirty="0"/>
-              <a:t>Wprowadzenie</a:t>
-            </a:r>
-            <a:endParaRPr lang="en-US" dirty="0"/>
+            <a:endParaRPr lang="en-US"/>
           </a:p>
         </p:txBody>
       </p:sp>
       <p:sp>
         <p:nvSpPr>
-          <p:cNvPr id="4" name="Text Placeholder 3">
+          <p:cNvPr id="7" name="Text Placeholder 6">
             <a:extLst>
               <a:ext uri="{FF2B5EF4-FFF2-40B4-BE49-F238E27FC236}">
-                <a16:creationId xmlns:a16="http://schemas.microsoft.com/office/drawing/2014/main" id="{38DBE179-9BFC-4AA6-9680-FE04529BD2AD}"/>
+                <a16:creationId xmlns:a16="http://schemas.microsoft.com/office/drawing/2014/main" id="{45C70836-1AE0-49BF-9A2D-57384DB423D6}"/>
               </a:ext>
             </a:extLst>
           </p:cNvPr>
@@ -7845,14 +8017,23 @@
           <a:lstStyle/>
           <a:p>
             <a:r>
-              <a:rPr lang="pl-PL" dirty="0"/>
-              <a:t>Przedmiot pracy, motywacje. </a:t>
+              <a:rPr lang="en-US" dirty="0"/>
+              <a:t>Plan </a:t>
+            </a:r>
+            <a:r>
+              <a:rPr lang="en-US" dirty="0" err="1"/>
+              <a:t>prezentacji</a:t>
             </a:r>
             <a:endParaRPr lang="en-US" dirty="0"/>
           </a:p>
         </p:txBody>
       </p:sp>
     </p:spTree>
+    <p:extLst>
+      <p:ext uri="{BB962C8B-B14F-4D97-AF65-F5344CB8AC3E}">
+        <p14:creationId xmlns:p14="http://schemas.microsoft.com/office/powerpoint/2010/main" val="2050570551"/>
+      </p:ext>
+    </p:extLst>
   </p:cSld>
   <p:clrMapOvr>
     <a:masterClrMapping/>
@@ -7880,93 +8061,47 @@
           <a:chExt cx="0" cy="0"/>
         </a:xfrm>
       </p:grpSpPr>
-      <p:sp>
-        <p:nvSpPr>
-          <p:cNvPr id="14338" name="Symbol zastępczy zawartości 1">
+      <p:pic>
+        <p:nvPicPr>
+          <p:cNvPr id="6" name="Content Placeholder 5">
             <a:extLst>
               <a:ext uri="{FF2B5EF4-FFF2-40B4-BE49-F238E27FC236}">
-                <a16:creationId xmlns:a16="http://schemas.microsoft.com/office/drawing/2014/main" id="{A7AE3C98-21F3-400C-92B2-8C799524B783}"/>
+                <a16:creationId xmlns:a16="http://schemas.microsoft.com/office/drawing/2014/main" id="{02C8F4F4-AE98-4BA0-AA39-112FF8E997D1}"/>
               </a:ext>
             </a:extLst>
           </p:cNvPr>
-          <p:cNvSpPr>
-            <a:spLocks noGrp="1"/>
-          </p:cNvSpPr>
+          <p:cNvPicPr>
+            <a:picLocks noGrp="1" noChangeAspect="1"/>
+          </p:cNvPicPr>
           <p:nvPr>
             <p:ph sz="half" idx="1"/>
           </p:nvPr>
-        </p:nvSpPr>
+        </p:nvPicPr>
+        <p:blipFill>
+          <a:blip r:embed="rId2">
+            <a:extLst>
+              <a:ext uri="{28A0092B-C50C-407E-A947-70E740481C1C}">
+                <a14:useLocalDpi xmlns:a14="http://schemas.microsoft.com/office/drawing/2010/main" val="0"/>
+              </a:ext>
+            </a:extLst>
+          </a:blip>
+          <a:stretch>
+            <a:fillRect/>
+          </a:stretch>
+        </p:blipFill>
         <p:spPr>
           <a:xfrm>
-            <a:off x="107950" y="1557338"/>
-            <a:ext cx="8910638" cy="4535487"/>
+            <a:off x="116681" y="2057400"/>
+            <a:ext cx="8910638" cy="2008544"/>
           </a:xfrm>
         </p:spPr>
-        <p:txBody>
-          <a:bodyPr/>
-          <a:lstStyle/>
-          <a:p>
-            <a:r>
-              <a:rPr lang="pl-PL" dirty="0"/>
-              <a:t>Odczytanie referencyjnego pliku </a:t>
-            </a:r>
-            <a:r>
-              <a:rPr lang="pl-PL" dirty="0" err="1"/>
-              <a:t>wave</a:t>
-            </a:r>
-            <a:r>
-              <a:rPr lang="pl-PL" dirty="0"/>
-              <a:t> o znanym poziomie </a:t>
-            </a:r>
-            <a:r>
-              <a:rPr lang="pl-PL" dirty="0" err="1"/>
-              <a:t>dB</a:t>
-            </a:r>
-            <a:r>
-              <a:rPr lang="pl-PL" dirty="0"/>
-              <a:t> SPL Z.</a:t>
-            </a:r>
-          </a:p>
-          <a:p>
-            <a:r>
-              <a:rPr lang="pl-PL" dirty="0"/>
-              <a:t>Korekcja częstotliwościowa i uśrednianie w czasie zgodnie z zaleceniami normy.</a:t>
-            </a:r>
-          </a:p>
-          <a:p>
-            <a:r>
-              <a:rPr lang="pl-PL" dirty="0"/>
-              <a:t>Przeliczenie otrzymanych próbek na wartość </a:t>
-            </a:r>
-            <a:r>
-              <a:rPr lang="pl-PL" dirty="0" err="1"/>
-              <a:t>dB</a:t>
-            </a:r>
-            <a:r>
-              <a:rPr lang="pl-PL" dirty="0"/>
-              <a:t> FS.</a:t>
-            </a:r>
-          </a:p>
-          <a:p>
-            <a:r>
-              <a:rPr lang="pl-PL" altLang="pl-PL" dirty="0"/>
-              <a:t>Odczytanie fragmentu pliku badanego</a:t>
-            </a:r>
-          </a:p>
-          <a:p>
-            <a:r>
-              <a:rPr lang="pl-PL" altLang="pl-PL" dirty="0"/>
-              <a:t>Przetworzenie pliku i porównanie wartości </a:t>
-            </a:r>
-          </a:p>
-        </p:txBody>
-      </p:sp>
+      </p:pic>
       <p:sp>
         <p:nvSpPr>
-          <p:cNvPr id="14339" name="Symbol zastępczy tekstu 2">
+          <p:cNvPr id="3" name="Text Placeholder 2">
             <a:extLst>
               <a:ext uri="{FF2B5EF4-FFF2-40B4-BE49-F238E27FC236}">
-                <a16:creationId xmlns:a16="http://schemas.microsoft.com/office/drawing/2014/main" id="{F54DC0A3-5285-417E-ABFE-878A95FF9C88}"/>
+                <a16:creationId xmlns:a16="http://schemas.microsoft.com/office/drawing/2014/main" id="{20698C27-1303-44EF-96B0-98F0C441B732}"/>
               </a:ext>
             </a:extLst>
           </p:cNvPr>
@@ -7977,26 +8112,25 @@
             <p:ph type="body" idx="10"/>
           </p:nvPr>
         </p:nvSpPr>
-        <p:spPr>
-          <a:xfrm>
-            <a:off x="130175" y="44450"/>
-            <a:ext cx="8910638" cy="504825"/>
-          </a:xfrm>
-        </p:spPr>
+        <p:spPr/>
         <p:txBody>
           <a:bodyPr/>
           <a:lstStyle/>
           <a:p>
-            <a:endParaRPr lang="pl-PL" altLang="pl-PL" dirty="0"/>
+            <a:r>
+              <a:rPr lang="pl-PL" dirty="0"/>
+              <a:t>Wprowadzenie</a:t>
+            </a:r>
+            <a:endParaRPr lang="en-US" dirty="0"/>
           </a:p>
         </p:txBody>
       </p:sp>
       <p:sp>
         <p:nvSpPr>
-          <p:cNvPr id="14340" name="Symbol zastępczy tekstu 3">
+          <p:cNvPr id="4" name="Text Placeholder 3">
             <a:extLst>
               <a:ext uri="{FF2B5EF4-FFF2-40B4-BE49-F238E27FC236}">
-                <a16:creationId xmlns:a16="http://schemas.microsoft.com/office/drawing/2014/main" id="{1D0AB910-3CF3-4253-BF75-EDFBFFB67DD6}"/>
+                <a16:creationId xmlns:a16="http://schemas.microsoft.com/office/drawing/2014/main" id="{38DBE179-9BFC-4AA6-9680-FE04529BD2AD}"/>
               </a:ext>
             </a:extLst>
           </p:cNvPr>
@@ -8007,20 +8141,16 @@
             <p:ph type="body" idx="11"/>
           </p:nvPr>
         </p:nvSpPr>
-        <p:spPr>
-          <a:xfrm>
-            <a:off x="130175" y="549275"/>
-            <a:ext cx="8910638" cy="863600"/>
-          </a:xfrm>
-        </p:spPr>
+        <p:spPr/>
         <p:txBody>
           <a:bodyPr/>
           <a:lstStyle/>
           <a:p>
             <a:r>
-              <a:rPr lang="pl-PL" altLang="pl-PL" sz="3600" dirty="0"/>
-              <a:t>Uproszczony algorytm odczytywania plików</a:t>
-            </a:r>
+              <a:rPr lang="pl-PL" dirty="0"/>
+              <a:t>Przedmiot pracy, motywacje. </a:t>
+            </a:r>
+            <a:endParaRPr lang="en-US" dirty="0"/>
           </a:p>
         </p:txBody>
       </p:sp>
@@ -8054,10 +8184,10 @@
       </p:grpSpPr>
       <p:sp>
         <p:nvSpPr>
-          <p:cNvPr id="2" name="Content Placeholder 1">
+          <p:cNvPr id="14338" name="Symbol zastępczy zawartości 1">
             <a:extLst>
               <a:ext uri="{FF2B5EF4-FFF2-40B4-BE49-F238E27FC236}">
-                <a16:creationId xmlns:a16="http://schemas.microsoft.com/office/drawing/2014/main" id="{4B50211C-7D28-46F9-B3ED-3E0A8E2D8259}"/>
+                <a16:creationId xmlns:a16="http://schemas.microsoft.com/office/drawing/2014/main" id="{A7AE3C98-21F3-400C-92B2-8C799524B783}"/>
               </a:ext>
             </a:extLst>
           </p:cNvPr>
@@ -8068,54 +8198,93 @@
             <p:ph sz="half" idx="1"/>
           </p:nvPr>
         </p:nvSpPr>
-        <p:spPr/>
+        <p:spPr>
+          <a:xfrm>
+            <a:off x="107950" y="1557338"/>
+            <a:ext cx="8910638" cy="4535487"/>
+          </a:xfrm>
+        </p:spPr>
         <p:txBody>
           <a:bodyPr/>
           <a:lstStyle/>
           <a:p>
             <a:r>
               <a:rPr lang="pl-PL" dirty="0"/>
-              <a:t>Wyszukanie przekroczeń ustalonego poziomu ciśnienia akustycznego.</a:t>
-            </a:r>
-          </a:p>
-          <a:p>
+              <a:t>Odczytanie referencyjnego pliku </a:t>
+            </a:r>
+            <a:r>
+              <a:rPr lang="pl-PL" dirty="0" err="1"/>
+              <a:t>wave</a:t>
+            </a:r>
             <a:r>
               <a:rPr lang="pl-PL" dirty="0"/>
-              <a:t>Analiza zebranych danych o przekroczeniach.</a:t>
-            </a:r>
-          </a:p>
-          <a:p>
+              <a:t> o znanym poziomie </a:t>
+            </a:r>
+            <a:r>
+              <a:rPr lang="pl-PL" dirty="0" err="1"/>
+              <a:t>dB</a:t>
+            </a:r>
             <a:r>
               <a:rPr lang="pl-PL" dirty="0"/>
-              <a:t>Zapisanie informacji o wykrytych zdarzeniach do pliku .</a:t>
+              <a:t> SPL Z.</a:t>
+            </a:r>
+          </a:p>
+          <a:p>
+            <a:r>
+              <a:rPr lang="pl-PL" dirty="0"/>
+              <a:t>Korekcja częstotliwościowa i uśrednianie w czasie zgodnie z zaleceniami normy </a:t>
+            </a:r>
+            <a:r>
+              <a:rPr lang="en-US" dirty="0"/>
+              <a:t>PN-EN_61672-1:2014-03</a:t>
+            </a:r>
+            <a:r>
+              <a:rPr lang="pl-PL" dirty="0"/>
+              <a:t>.</a:t>
+            </a:r>
+          </a:p>
+          <a:p>
+            <a:r>
+              <a:rPr lang="pl-PL" dirty="0"/>
+              <a:t>Przeliczenie otrzymanych próbek na wartość </a:t>
             </a:r>
             <a:r>
               <a:rPr lang="pl-PL" dirty="0" err="1"/>
-              <a:t>json</a:t>
-            </a:r>
-            <a:endParaRPr lang="pl-PL" dirty="0"/>
-          </a:p>
-          <a:p>
+              <a:t>dB</a:t>
+            </a:r>
             <a:r>
               <a:rPr lang="pl-PL" dirty="0"/>
-              <a:t>Repetycja aż do końca pliku.</a:t>
-            </a:r>
-          </a:p>
-          <a:p>
+              <a:t> FS zgodnie z normą </a:t>
+            </a:r>
+            <a:r>
+              <a:rPr lang="en-US" dirty="0"/>
+              <a:t>AES17-2015</a:t>
+            </a:r>
             <a:r>
               <a:rPr lang="pl-PL" dirty="0"/>
-              <a:t>Wyekstrahowanie znalezionych zdarzeń z pierwotnego pliku </a:t>
-            </a:r>
-            <a:endParaRPr lang="en-US" dirty="0"/>
+              <a:t> .</a:t>
+            </a:r>
+          </a:p>
+          <a:p>
+            <a:r>
+              <a:rPr lang="pl-PL" altLang="pl-PL" dirty="0"/>
+              <a:t>Odczytanie fragmentu pliku badanego</a:t>
+            </a:r>
+          </a:p>
+          <a:p>
+            <a:r>
+              <a:rPr lang="pl-PL" altLang="pl-PL" dirty="0"/>
+              <a:t>Przetworzenie pliku i porównanie wartości </a:t>
+            </a:r>
           </a:p>
         </p:txBody>
       </p:sp>
       <p:sp>
         <p:nvSpPr>
-          <p:cNvPr id="3" name="Text Placeholder 2">
+          <p:cNvPr id="14339" name="Symbol zastępczy tekstu 2">
             <a:extLst>
               <a:ext uri="{FF2B5EF4-FFF2-40B4-BE49-F238E27FC236}">
-                <a16:creationId xmlns:a16="http://schemas.microsoft.com/office/drawing/2014/main" id="{F61F43D1-2A8C-4216-B166-8DCA5A8B9BE4}"/>
+                <a16:creationId xmlns:a16="http://schemas.microsoft.com/office/drawing/2014/main" id="{F54DC0A3-5285-417E-ABFE-878A95FF9C88}"/>
               </a:ext>
             </a:extLst>
           </p:cNvPr>
@@ -8126,21 +8295,26 @@
             <p:ph type="body" idx="10"/>
           </p:nvPr>
         </p:nvSpPr>
-        <p:spPr/>
+        <p:spPr>
+          <a:xfrm>
+            <a:off x="130175" y="44450"/>
+            <a:ext cx="8910638" cy="504825"/>
+          </a:xfrm>
+        </p:spPr>
         <p:txBody>
           <a:bodyPr/>
           <a:lstStyle/>
           <a:p>
-            <a:endParaRPr lang="en-US"/>
+            <a:endParaRPr lang="pl-PL" altLang="pl-PL" dirty="0"/>
           </a:p>
         </p:txBody>
       </p:sp>
       <p:sp>
         <p:nvSpPr>
-          <p:cNvPr id="4" name="Text Placeholder 3">
+          <p:cNvPr id="14340" name="Symbol zastępczy tekstu 3">
             <a:extLst>
               <a:ext uri="{FF2B5EF4-FFF2-40B4-BE49-F238E27FC236}">
-                <a16:creationId xmlns:a16="http://schemas.microsoft.com/office/drawing/2014/main" id="{BB23742B-DC91-4672-AE28-7E26C0DC8BF8}"/>
+                <a16:creationId xmlns:a16="http://schemas.microsoft.com/office/drawing/2014/main" id="{1D0AB910-3CF3-4253-BF75-EDFBFFB67DD6}"/>
               </a:ext>
             </a:extLst>
           </p:cNvPr>
@@ -8151,16 +8325,20 @@
             <p:ph type="body" idx="11"/>
           </p:nvPr>
         </p:nvSpPr>
-        <p:spPr/>
+        <p:spPr>
+          <a:xfrm>
+            <a:off x="130175" y="549275"/>
+            <a:ext cx="8910638" cy="863600"/>
+          </a:xfrm>
+        </p:spPr>
         <p:txBody>
           <a:bodyPr/>
           <a:lstStyle/>
           <a:p>
             <a:r>
-              <a:rPr lang="pl-PL" sz="4000" dirty="0"/>
-              <a:t>Uproszczony algorytm detekcji zdarzeń</a:t>
-            </a:r>
-            <a:endParaRPr lang="en-US" sz="4000" dirty="0"/>
+              <a:rPr lang="pl-PL" altLang="pl-PL" sz="3600" dirty="0"/>
+              <a:t>Uproszczony algorytm odczytywania plików</a:t>
+            </a:r>
           </a:p>
         </p:txBody>
       </p:sp>
@@ -8194,6 +8372,146 @@
       </p:grpSpPr>
       <p:sp>
         <p:nvSpPr>
+          <p:cNvPr id="2" name="Content Placeholder 1">
+            <a:extLst>
+              <a:ext uri="{FF2B5EF4-FFF2-40B4-BE49-F238E27FC236}">
+                <a16:creationId xmlns:a16="http://schemas.microsoft.com/office/drawing/2014/main" id="{4B50211C-7D28-46F9-B3ED-3E0A8E2D8259}"/>
+              </a:ext>
+            </a:extLst>
+          </p:cNvPr>
+          <p:cNvSpPr>
+            <a:spLocks noGrp="1"/>
+          </p:cNvSpPr>
+          <p:nvPr>
+            <p:ph sz="half" idx="1"/>
+          </p:nvPr>
+        </p:nvSpPr>
+        <p:spPr/>
+        <p:txBody>
+          <a:bodyPr/>
+          <a:lstStyle/>
+          <a:p>
+            <a:r>
+              <a:rPr lang="pl-PL" dirty="0"/>
+              <a:t>Wyszukanie przekroczeń ustalonego poziomu ciśnienia akustycznego</a:t>
+            </a:r>
+          </a:p>
+          <a:p>
+            <a:r>
+              <a:rPr lang="pl-PL" dirty="0"/>
+              <a:t>Analiza zebranych danych o przekroczeniach</a:t>
+            </a:r>
+          </a:p>
+          <a:p>
+            <a:r>
+              <a:rPr lang="pl-PL" dirty="0"/>
+              <a:t>Zapisanie informacji o wykrytych zdarzeniach do pliku .</a:t>
+            </a:r>
+            <a:r>
+              <a:rPr lang="pl-PL" dirty="0" err="1"/>
+              <a:t>json</a:t>
+            </a:r>
+            <a:endParaRPr lang="pl-PL" dirty="0"/>
+          </a:p>
+          <a:p>
+            <a:r>
+              <a:rPr lang="pl-PL" dirty="0"/>
+              <a:t>Repetycja aż do końca pliku</a:t>
+            </a:r>
+          </a:p>
+          <a:p>
+            <a:r>
+              <a:rPr lang="pl-PL" dirty="0"/>
+              <a:t>Wyekstrahowanie znalezionych zdarzeń z pierwotnego pliku </a:t>
+            </a:r>
+            <a:endParaRPr lang="en-US" dirty="0"/>
+          </a:p>
+        </p:txBody>
+      </p:sp>
+      <p:sp>
+        <p:nvSpPr>
+          <p:cNvPr id="3" name="Text Placeholder 2">
+            <a:extLst>
+              <a:ext uri="{FF2B5EF4-FFF2-40B4-BE49-F238E27FC236}">
+                <a16:creationId xmlns:a16="http://schemas.microsoft.com/office/drawing/2014/main" id="{F61F43D1-2A8C-4216-B166-8DCA5A8B9BE4}"/>
+              </a:ext>
+            </a:extLst>
+          </p:cNvPr>
+          <p:cNvSpPr>
+            <a:spLocks noGrp="1"/>
+          </p:cNvSpPr>
+          <p:nvPr>
+            <p:ph type="body" idx="10"/>
+          </p:nvPr>
+        </p:nvSpPr>
+        <p:spPr/>
+        <p:txBody>
+          <a:bodyPr/>
+          <a:lstStyle/>
+          <a:p>
+            <a:endParaRPr lang="en-US"/>
+          </a:p>
+        </p:txBody>
+      </p:sp>
+      <p:sp>
+        <p:nvSpPr>
+          <p:cNvPr id="4" name="Text Placeholder 3">
+            <a:extLst>
+              <a:ext uri="{FF2B5EF4-FFF2-40B4-BE49-F238E27FC236}">
+                <a16:creationId xmlns:a16="http://schemas.microsoft.com/office/drawing/2014/main" id="{BB23742B-DC91-4672-AE28-7E26C0DC8BF8}"/>
+              </a:ext>
+            </a:extLst>
+          </p:cNvPr>
+          <p:cNvSpPr>
+            <a:spLocks noGrp="1"/>
+          </p:cNvSpPr>
+          <p:nvPr>
+            <p:ph type="body" idx="11"/>
+          </p:nvPr>
+        </p:nvSpPr>
+        <p:spPr/>
+        <p:txBody>
+          <a:bodyPr/>
+          <a:lstStyle/>
+          <a:p>
+            <a:r>
+              <a:rPr lang="pl-PL" sz="4000" dirty="0"/>
+              <a:t>Uproszczony algorytm detekcji zdarzeń</a:t>
+            </a:r>
+            <a:endParaRPr lang="en-US" sz="4000" dirty="0"/>
+          </a:p>
+        </p:txBody>
+      </p:sp>
+    </p:spTree>
+  </p:cSld>
+  <p:clrMapOvr>
+    <a:masterClrMapping/>
+  </p:clrMapOvr>
+  <p:transition>
+    <p:randomBar/>
+  </p:transition>
+</p:sld>
+</file>
+
+<file path=ppt/slides/slide6.xml><?xml version="1.0" encoding="utf-8"?>
+<p:sld xmlns:a="http://schemas.openxmlformats.org/drawingml/2006/main" xmlns:r="http://schemas.openxmlformats.org/officeDocument/2006/relationships" xmlns:p="http://schemas.openxmlformats.org/presentationml/2006/main">
+  <p:cSld>
+    <p:spTree>
+      <p:nvGrpSpPr>
+        <p:cNvPr id="1" name=""/>
+        <p:cNvGrpSpPr/>
+        <p:nvPr/>
+      </p:nvGrpSpPr>
+      <p:grpSpPr>
+        <a:xfrm>
+          <a:off x="0" y="0"/>
+          <a:ext cx="0" cy="0"/>
+          <a:chOff x="0" y="0"/>
+          <a:chExt cx="0" cy="0"/>
+        </a:xfrm>
+      </p:grpSpPr>
+      <p:sp>
+        <p:nvSpPr>
           <p:cNvPr id="9" name="Title 8">
             <a:extLst>
               <a:ext uri="{FF2B5EF4-FFF2-40B4-BE49-F238E27FC236}">
@@ -8215,10 +8533,21 @@
           <a:p>
             <a:pPr algn="ctr"/>
             <a:r>
-              <a:rPr lang="pl-PL" dirty="0"/>
-              <a:t>Plik audio oryginalny</a:t>
-            </a:r>
-            <a:endParaRPr lang="en-US" dirty="0"/>
+              <a:rPr lang="en-US" dirty="0" err="1"/>
+              <a:t>Oryginalny</a:t>
+            </a:r>
+            <a:r>
+              <a:rPr lang="en-US" dirty="0"/>
+              <a:t> </a:t>
+            </a:r>
+            <a:r>
+              <a:rPr lang="en-US" dirty="0" err="1"/>
+              <a:t>plik</a:t>
+            </a:r>
+            <a:r>
+              <a:rPr lang="en-US" dirty="0"/>
+              <a:t> audio</a:t>
+            </a:r>
           </a:p>
         </p:txBody>
       </p:sp>
@@ -8243,10 +8572,6 @@
           <a:bodyPr/>
           <a:lstStyle/>
           <a:p>
-            <a:r>
-              <a:rPr lang="pl-PL" dirty="0"/>
-              <a:t>Testy</a:t>
-            </a:r>
             <a:endParaRPr lang="en-US" dirty="0"/>
           </a:p>
         </p:txBody>
@@ -8303,7 +8628,7 @@
 </p:sld>
 </file>
 
-<file path=ppt/slides/slide6.xml><?xml version="1.0" encoding="utf-8"?>
+<file path=ppt/slides/slide7.xml><?xml version="1.0" encoding="utf-8"?>
 <p:sld xmlns:a="http://schemas.openxmlformats.org/drawingml/2006/main" xmlns:r="http://schemas.openxmlformats.org/officeDocument/2006/relationships" xmlns:p="http://schemas.openxmlformats.org/presentationml/2006/main">
   <p:cSld>
     <p:spTree>
@@ -8432,173 +8757,6 @@
 </p:sld>
 </file>
 
-<file path=ppt/slides/slide7.xml><?xml version="1.0" encoding="utf-8"?>
-<p:sld xmlns:a="http://schemas.openxmlformats.org/drawingml/2006/main" xmlns:r="http://schemas.openxmlformats.org/officeDocument/2006/relationships" xmlns:p="http://schemas.openxmlformats.org/presentationml/2006/main">
-  <p:cSld>
-    <p:spTree>
-      <p:nvGrpSpPr>
-        <p:cNvPr id="1" name=""/>
-        <p:cNvGrpSpPr/>
-        <p:nvPr/>
-      </p:nvGrpSpPr>
-      <p:grpSpPr>
-        <a:xfrm>
-          <a:off x="0" y="0"/>
-          <a:ext cx="0" cy="0"/>
-          <a:chOff x="0" y="0"/>
-          <a:chExt cx="0" cy="0"/>
-        </a:xfrm>
-      </p:grpSpPr>
-      <p:sp>
-        <p:nvSpPr>
-          <p:cNvPr id="2" name="Content Placeholder 1">
-            <a:extLst>
-              <a:ext uri="{FF2B5EF4-FFF2-40B4-BE49-F238E27FC236}">
-                <a16:creationId xmlns:a16="http://schemas.microsoft.com/office/drawing/2014/main" id="{68CD0F28-AF8F-4485-BCF3-C518909F6CCB}"/>
-              </a:ext>
-            </a:extLst>
-          </p:cNvPr>
-          <p:cNvSpPr>
-            <a:spLocks noGrp="1"/>
-          </p:cNvSpPr>
-          <p:nvPr>
-            <p:ph sz="half" idx="1"/>
-          </p:nvPr>
-        </p:nvSpPr>
-        <p:spPr/>
-        <p:txBody>
-          <a:bodyPr/>
-          <a:lstStyle/>
-          <a:p>
-            <a:r>
-              <a:rPr lang="pl-PL" sz="4000" dirty="0"/>
-              <a:t>Zastosowany język programowania – </a:t>
-            </a:r>
-            <a:r>
-              <a:rPr lang="pl-PL" sz="4000" dirty="0" err="1">
-                <a:solidFill>
-                  <a:srgbClr val="92D050"/>
-                </a:solidFill>
-              </a:rPr>
-              <a:t>Python</a:t>
-            </a:r>
-            <a:r>
-              <a:rPr lang="pl-PL" sz="4000" dirty="0">
-                <a:solidFill>
-                  <a:srgbClr val="92D050"/>
-                </a:solidFill>
-              </a:rPr>
-              <a:t>.</a:t>
-            </a:r>
-          </a:p>
-          <a:p>
-            <a:r>
-              <a:rPr lang="pl-PL" sz="4000" dirty="0"/>
-              <a:t>Darmowa alternatywa dla </a:t>
-            </a:r>
-            <a:r>
-              <a:rPr lang="pl-PL" sz="4000" dirty="0" err="1"/>
-              <a:t>Matlaba</a:t>
-            </a:r>
-            <a:r>
-              <a:rPr lang="pl-PL" sz="4000" dirty="0"/>
-              <a:t> – </a:t>
-            </a:r>
-            <a:r>
-              <a:rPr lang="pl-PL" sz="4000" dirty="0">
-                <a:solidFill>
-                  <a:srgbClr val="92D050"/>
-                </a:solidFill>
-              </a:rPr>
-              <a:t>możliwość współpracy i rozwoju.</a:t>
-            </a:r>
-          </a:p>
-          <a:p>
-            <a:r>
-              <a:rPr lang="pl-PL" sz="4000" dirty="0"/>
-              <a:t>Usprawnienie analizy danych i potencjalnie </a:t>
-            </a:r>
-            <a:r>
-              <a:rPr lang="pl-PL" sz="4000" dirty="0">
-                <a:solidFill>
-                  <a:srgbClr val="92D050"/>
-                </a:solidFill>
-              </a:rPr>
-              <a:t>ułatwienie prac naukowo badawczych.</a:t>
-            </a:r>
-            <a:endParaRPr lang="en-US" sz="4000" dirty="0">
-              <a:solidFill>
-                <a:srgbClr val="92D050"/>
-              </a:solidFill>
-            </a:endParaRPr>
-          </a:p>
-        </p:txBody>
-      </p:sp>
-      <p:sp>
-        <p:nvSpPr>
-          <p:cNvPr id="3" name="Text Placeholder 2">
-            <a:extLst>
-              <a:ext uri="{FF2B5EF4-FFF2-40B4-BE49-F238E27FC236}">
-                <a16:creationId xmlns:a16="http://schemas.microsoft.com/office/drawing/2014/main" id="{FA033A85-05CC-494B-AEA7-57A91C8998B6}"/>
-              </a:ext>
-            </a:extLst>
-          </p:cNvPr>
-          <p:cNvSpPr>
-            <a:spLocks noGrp="1"/>
-          </p:cNvSpPr>
-          <p:nvPr>
-            <p:ph type="body" idx="10"/>
-          </p:nvPr>
-        </p:nvSpPr>
-        <p:spPr/>
-        <p:txBody>
-          <a:bodyPr/>
-          <a:lstStyle/>
-          <a:p>
-            <a:endParaRPr lang="en-US"/>
-          </a:p>
-        </p:txBody>
-      </p:sp>
-      <p:sp>
-        <p:nvSpPr>
-          <p:cNvPr id="4" name="Text Placeholder 3">
-            <a:extLst>
-              <a:ext uri="{FF2B5EF4-FFF2-40B4-BE49-F238E27FC236}">
-                <a16:creationId xmlns:a16="http://schemas.microsoft.com/office/drawing/2014/main" id="{A1D5C3BA-F5F6-4120-8738-891D7B15442A}"/>
-              </a:ext>
-            </a:extLst>
-          </p:cNvPr>
-          <p:cNvSpPr>
-            <a:spLocks noGrp="1"/>
-          </p:cNvSpPr>
-          <p:nvPr>
-            <p:ph type="body" idx="11"/>
-          </p:nvPr>
-        </p:nvSpPr>
-        <p:spPr/>
-        <p:txBody>
-          <a:bodyPr/>
-          <a:lstStyle/>
-          <a:p>
-            <a:r>
-              <a:rPr lang="pl-PL" dirty="0"/>
-              <a:t>Co w nim dobrego?</a:t>
-            </a:r>
-            <a:endParaRPr lang="en-US" dirty="0"/>
-          </a:p>
-        </p:txBody>
-      </p:sp>
-    </p:spTree>
-  </p:cSld>
-  <p:clrMapOvr>
-    <a:masterClrMapping/>
-  </p:clrMapOvr>
-  <p:transition>
-    <p:randomBar/>
-  </p:transition>
-</p:sld>
-</file>
-
 <file path=ppt/slides/slide8.xml><?xml version="1.0" encoding="utf-8"?>
 <p:sld xmlns:a="http://schemas.openxmlformats.org/drawingml/2006/main" xmlns:r="http://schemas.openxmlformats.org/officeDocument/2006/relationships" xmlns:p="http://schemas.openxmlformats.org/presentationml/2006/main">
   <p:cSld>
@@ -8621,7 +8779,7 @@
           <p:cNvPr id="2" name="Content Placeholder 1">
             <a:extLst>
               <a:ext uri="{FF2B5EF4-FFF2-40B4-BE49-F238E27FC236}">
-                <a16:creationId xmlns:a16="http://schemas.microsoft.com/office/drawing/2014/main" id="{DEEAC0FA-4D65-4E57-9E6B-06010A0CA95B}"/>
+                <a16:creationId xmlns:a16="http://schemas.microsoft.com/office/drawing/2014/main" id="{68CD0F28-AF8F-4485-BCF3-C518909F6CCB}"/>
               </a:ext>
             </a:extLst>
           </p:cNvPr>
@@ -8638,6 +8796,170 @@
           <a:lstStyle/>
           <a:p>
             <a:r>
+              <a:rPr lang="pl-PL" sz="4000" dirty="0"/>
+              <a:t>Zastosowany język programowania – </a:t>
+            </a:r>
+            <a:r>
+              <a:rPr lang="pl-PL" sz="4000" dirty="0" err="1">
+                <a:solidFill>
+                  <a:srgbClr val="92D050"/>
+                </a:solidFill>
+              </a:rPr>
+              <a:t>Python</a:t>
+            </a:r>
+            <a:endParaRPr lang="pl-PL" sz="4000" dirty="0">
+              <a:solidFill>
+                <a:srgbClr val="92D050"/>
+              </a:solidFill>
+            </a:endParaRPr>
+          </a:p>
+          <a:p>
+            <a:r>
+              <a:rPr lang="pl-PL" sz="4000" dirty="0"/>
+              <a:t>Darmowa alternatywa dla </a:t>
+            </a:r>
+            <a:r>
+              <a:rPr lang="pl-PL" sz="4000" dirty="0" err="1"/>
+              <a:t>Matlaba</a:t>
+            </a:r>
+            <a:r>
+              <a:rPr lang="pl-PL" sz="4000" dirty="0"/>
+              <a:t> – </a:t>
+            </a:r>
+            <a:r>
+              <a:rPr lang="pl-PL" sz="4000" dirty="0">
+                <a:solidFill>
+                  <a:srgbClr val="92D050"/>
+                </a:solidFill>
+              </a:rPr>
+              <a:t>możliwość współpracy i rozwoju</a:t>
+            </a:r>
+          </a:p>
+          <a:p>
+            <a:r>
+              <a:rPr lang="pl-PL" sz="4000" dirty="0"/>
+              <a:t>Usprawnienie analizy danych i potencjalnie </a:t>
+            </a:r>
+            <a:r>
+              <a:rPr lang="pl-PL" sz="4000" dirty="0">
+                <a:solidFill>
+                  <a:srgbClr val="92D050"/>
+                </a:solidFill>
+              </a:rPr>
+              <a:t>ułatwienie prac naukowo badawczych</a:t>
+            </a:r>
+            <a:endParaRPr lang="en-US" sz="4000" dirty="0">
+              <a:solidFill>
+                <a:srgbClr val="92D050"/>
+              </a:solidFill>
+            </a:endParaRPr>
+          </a:p>
+        </p:txBody>
+      </p:sp>
+      <p:sp>
+        <p:nvSpPr>
+          <p:cNvPr id="3" name="Text Placeholder 2">
+            <a:extLst>
+              <a:ext uri="{FF2B5EF4-FFF2-40B4-BE49-F238E27FC236}">
+                <a16:creationId xmlns:a16="http://schemas.microsoft.com/office/drawing/2014/main" id="{FA033A85-05CC-494B-AEA7-57A91C8998B6}"/>
+              </a:ext>
+            </a:extLst>
+          </p:cNvPr>
+          <p:cNvSpPr>
+            <a:spLocks noGrp="1"/>
+          </p:cNvSpPr>
+          <p:nvPr>
+            <p:ph type="body" idx="10"/>
+          </p:nvPr>
+        </p:nvSpPr>
+        <p:spPr/>
+        <p:txBody>
+          <a:bodyPr/>
+          <a:lstStyle/>
+          <a:p>
+            <a:endParaRPr lang="en-US"/>
+          </a:p>
+        </p:txBody>
+      </p:sp>
+      <p:sp>
+        <p:nvSpPr>
+          <p:cNvPr id="4" name="Text Placeholder 3">
+            <a:extLst>
+              <a:ext uri="{FF2B5EF4-FFF2-40B4-BE49-F238E27FC236}">
+                <a16:creationId xmlns:a16="http://schemas.microsoft.com/office/drawing/2014/main" id="{A1D5C3BA-F5F6-4120-8738-891D7B15442A}"/>
+              </a:ext>
+            </a:extLst>
+          </p:cNvPr>
+          <p:cNvSpPr>
+            <a:spLocks noGrp="1"/>
+          </p:cNvSpPr>
+          <p:nvPr>
+            <p:ph type="body" idx="11"/>
+          </p:nvPr>
+        </p:nvSpPr>
+        <p:spPr/>
+        <p:txBody>
+          <a:bodyPr/>
+          <a:lstStyle/>
+          <a:p>
+            <a:r>
+              <a:rPr lang="pl-PL" dirty="0"/>
+              <a:t>Co w nim dobrego?</a:t>
+            </a:r>
+            <a:endParaRPr lang="en-US" dirty="0"/>
+          </a:p>
+        </p:txBody>
+      </p:sp>
+    </p:spTree>
+  </p:cSld>
+  <p:clrMapOvr>
+    <a:masterClrMapping/>
+  </p:clrMapOvr>
+  <p:transition>
+    <p:randomBar/>
+  </p:transition>
+</p:sld>
+</file>
+
+<file path=ppt/slides/slide9.xml><?xml version="1.0" encoding="utf-8"?>
+<p:sld xmlns:a="http://schemas.openxmlformats.org/drawingml/2006/main" xmlns:r="http://schemas.openxmlformats.org/officeDocument/2006/relationships" xmlns:p="http://schemas.openxmlformats.org/presentationml/2006/main">
+  <p:cSld>
+    <p:spTree>
+      <p:nvGrpSpPr>
+        <p:cNvPr id="1" name=""/>
+        <p:cNvGrpSpPr/>
+        <p:nvPr/>
+      </p:nvGrpSpPr>
+      <p:grpSpPr>
+        <a:xfrm>
+          <a:off x="0" y="0"/>
+          <a:ext cx="0" cy="0"/>
+          <a:chOff x="0" y="0"/>
+          <a:chExt cx="0" cy="0"/>
+        </a:xfrm>
+      </p:grpSpPr>
+      <p:sp>
+        <p:nvSpPr>
+          <p:cNvPr id="2" name="Content Placeholder 1">
+            <a:extLst>
+              <a:ext uri="{FF2B5EF4-FFF2-40B4-BE49-F238E27FC236}">
+                <a16:creationId xmlns:a16="http://schemas.microsoft.com/office/drawing/2014/main" id="{DEEAC0FA-4D65-4E57-9E6B-06010A0CA95B}"/>
+              </a:ext>
+            </a:extLst>
+          </p:cNvPr>
+          <p:cNvSpPr>
+            <a:spLocks noGrp="1"/>
+          </p:cNvSpPr>
+          <p:nvPr>
+            <p:ph sz="half" idx="1"/>
+          </p:nvPr>
+        </p:nvSpPr>
+        <p:spPr/>
+        <p:txBody>
+          <a:bodyPr/>
+          <a:lstStyle/>
+          <a:p>
+            <a:r>
               <a:rPr lang="pl-PL" sz="5400" dirty="0"/>
               <a:t>Niskie wymagania sprzętowe</a:t>
             </a:r>
@@ -8646,10 +8968,6 @@
             <a:r>
               <a:rPr lang="pl-PL" sz="5400" dirty="0" err="1"/>
               <a:t>Wieloplatformowość</a:t>
-            </a:r>
-            <a:r>
-              <a:rPr lang="pl-PL" sz="5400" dirty="0"/>
-              <a:t>.</a:t>
             </a:r>
             <a:endParaRPr lang="pl-PL" sz="4000" dirty="0"/>
           </a:p>
